--- a/docs/Cap_MongoDB.pptx
+++ b/docs/Cap_MongoDB.pptx
@@ -8,23 +8,22 @@
     <p:sldId id="257" r:id="rId2"/>
     <p:sldId id="259" r:id="rId3"/>
     <p:sldId id="258" r:id="rId4"/>
-    <p:sldId id="261" r:id="rId5"/>
-    <p:sldId id="276" r:id="rId6"/>
-    <p:sldId id="271" r:id="rId7"/>
-    <p:sldId id="277" r:id="rId8"/>
-    <p:sldId id="278" r:id="rId9"/>
-    <p:sldId id="279" r:id="rId10"/>
-    <p:sldId id="280" r:id="rId11"/>
-    <p:sldId id="281" r:id="rId12"/>
-    <p:sldId id="282" r:id="rId13"/>
-    <p:sldId id="283" r:id="rId14"/>
-    <p:sldId id="284" r:id="rId15"/>
-    <p:sldId id="285" r:id="rId16"/>
-    <p:sldId id="286" r:id="rId17"/>
-    <p:sldId id="287" r:id="rId18"/>
-    <p:sldId id="288" r:id="rId19"/>
-    <p:sldId id="289" r:id="rId20"/>
-    <p:sldId id="270" r:id="rId21"/>
+    <p:sldId id="276" r:id="rId5"/>
+    <p:sldId id="271" r:id="rId6"/>
+    <p:sldId id="277" r:id="rId7"/>
+    <p:sldId id="278" r:id="rId8"/>
+    <p:sldId id="279" r:id="rId9"/>
+    <p:sldId id="280" r:id="rId10"/>
+    <p:sldId id="281" r:id="rId11"/>
+    <p:sldId id="282" r:id="rId12"/>
+    <p:sldId id="283" r:id="rId13"/>
+    <p:sldId id="284" r:id="rId14"/>
+    <p:sldId id="285" r:id="rId15"/>
+    <p:sldId id="286" r:id="rId16"/>
+    <p:sldId id="287" r:id="rId17"/>
+    <p:sldId id="288" r:id="rId18"/>
+    <p:sldId id="289" r:id="rId19"/>
+    <p:sldId id="270" r:id="rId20"/>
   </p:sldIdLst>
   <p:sldSz cx="12192000" cy="6858000"/>
   <p:notesSz cx="6858000" cy="9144000"/>
@@ -7065,28 +7064,45 @@
           <a:p>
             <a:r>
               <a:rPr lang="es-AR" dirty="0" smtClean="0"/>
-              <a:t>Almacenan las relaciones entre los datos incluyendo </a:t>
-            </a:r>
-            <a:r>
-              <a:rPr lang="es-AR" i="1" dirty="0" smtClean="0"/>
-              <a:t>links</a:t>
-            </a:r>
+              <a:t>Capturan las relaciones entre los datos almacenando la información relacionada en una única estructura documental.</a:t>
+            </a:r>
+          </a:p>
+          <a:p>
             <a:r>
               <a:rPr lang="es-AR" dirty="0" smtClean="0"/>
-              <a:t> desde un documento a otro.</a:t>
-            </a:r>
-          </a:p>
-          <a:p>
+              <a:t>Los documento en </a:t>
+            </a:r>
+            <a:r>
+              <a:rPr lang="es-AR" dirty="0" err="1" smtClean="0"/>
+              <a:t>MongoDB</a:t>
+            </a:r>
             <a:r>
               <a:rPr lang="es-AR" dirty="0" smtClean="0"/>
-              <a:t>La Apps pueden resolver esas referencias accediendo a los datos relacionados.</a:t>
-            </a:r>
-          </a:p>
-          <a:p>
-            <a:r>
-              <a:rPr lang="es-AR" dirty="0"/>
-              <a:t>En términos generales, estos son los modelos de datos normalizados.</a:t>
-            </a:r>
+              <a:t> hacen posible embeber estructuras en un campo o </a:t>
+            </a:r>
+            <a:r>
+              <a:rPr lang="es-AR" dirty="0" err="1" smtClean="0"/>
+              <a:t>arrays</a:t>
+            </a:r>
+            <a:r>
+              <a:rPr lang="es-AR" dirty="0" smtClean="0"/>
+              <a:t> dentro de un documento.</a:t>
+            </a:r>
+          </a:p>
+          <a:p>
+            <a:r>
+              <a:rPr lang="es-AR" dirty="0" smtClean="0"/>
+              <a:t>Este modelo de datos </a:t>
+            </a:r>
+            <a:r>
+              <a:rPr lang="es-AR" i="1" dirty="0" err="1" smtClean="0"/>
+              <a:t>desnormalizado</a:t>
+            </a:r>
+            <a:r>
+              <a:rPr lang="es-AR" dirty="0" smtClean="0"/>
+              <a:t> permite a las Apps obtener y manipular datos relacionados en una única operación.</a:t>
+            </a:r>
+            <a:endParaRPr lang="es-AR" dirty="0"/>
           </a:p>
         </p:txBody>
       </p:sp>
@@ -7136,7 +7152,7 @@
           <a:p>
             <a:r>
               <a:rPr lang="es-AR" dirty="0" smtClean="0"/>
-              <a:t>Referencias</a:t>
+              <a:t>Documentos Embebidos</a:t>
             </a:r>
             <a:endParaRPr lang="es-AR" dirty="0"/>
           </a:p>
@@ -7144,7 +7160,7 @@
       </p:sp>
       <p:pic>
         <p:nvPicPr>
-          <p:cNvPr id="1028" name="Picture 4" descr="Data model using references to link documents. Both the ``contact`` document and the ``access`` document contain a reference to the ``user`` document."/>
+          <p:cNvPr id="2052" name="Picture 4" descr="Data model with embedded fields that contain all related information."/>
           <p:cNvPicPr>
             <a:picLocks noChangeAspect="1" noChangeArrowheads="1"/>
           </p:cNvPicPr>
@@ -7165,8 +7181,8 @@
         </p:blipFill>
         <p:spPr bwMode="auto">
           <a:xfrm>
-            <a:off x="1135289" y="2364241"/>
-            <a:ext cx="6858000" cy="4171951"/>
+            <a:off x="1946275" y="2533650"/>
+            <a:ext cx="6858000" cy="3867150"/>
           </a:xfrm>
           <a:prstGeom prst="rect">
             <a:avLst/>
@@ -7186,7 +7202,7 @@
     </p:spTree>
     <p:extLst>
       <p:ext uri="{BB962C8B-B14F-4D97-AF65-F5344CB8AC3E}">
-        <p14:creationId xmlns:p14="http://schemas.microsoft.com/office/powerpoint/2010/main" val="3824302202"/>
+        <p14:creationId xmlns:p14="http://schemas.microsoft.com/office/powerpoint/2010/main" val="3053715725"/>
       </p:ext>
     </p:extLst>
   </p:cSld>
@@ -7229,14 +7245,49 @@
           <a:lstStyle/>
           <a:p>
             <a:r>
+              <a:rPr lang="es-AR" b="1" dirty="0" err="1" smtClean="0"/>
+              <a:t>Credumiento</a:t>
+            </a:r>
+            <a:r>
+              <a:rPr lang="es-AR" b="1" dirty="0" smtClean="0"/>
+              <a:t> del Documento: </a:t>
+            </a:r>
+            <a:r>
               <a:rPr lang="es-AR" dirty="0" smtClean="0"/>
-              <a:t>Capturan las relaciones entre los datos almacenando la información relacionada en una única estructura documental.</a:t>
-            </a:r>
-          </a:p>
-          <a:p>
+              <a:t>algunas actualizaciones sobre los documentos pueden incrementar el tamaño de los mismos. </a:t>
+            </a:r>
+            <a:endParaRPr lang="es-AR" b="1" dirty="0" smtClean="0"/>
+          </a:p>
+          <a:p>
+            <a:r>
+              <a:rPr lang="es-AR" b="1" dirty="0" smtClean="0"/>
+              <a:t>Atomicidad: </a:t>
+            </a:r>
             <a:r>
               <a:rPr lang="es-AR" dirty="0" smtClean="0"/>
-              <a:t>Los documento en </a:t>
+              <a:t>Las operaciones son </a:t>
+            </a:r>
+            <a:r>
+              <a:rPr lang="es-AR" i="1" dirty="0" smtClean="0"/>
+              <a:t>atómicas</a:t>
+            </a:r>
+            <a:r>
+              <a:rPr lang="es-AR" dirty="0" smtClean="0"/>
+              <a:t>. Lo que significa que una operación no puede cambiar mas de un documento. Operaciones que modifican mas de un documento en una colección se ejecutan sobre un documento a la vez.</a:t>
+            </a:r>
+          </a:p>
+          <a:p>
+            <a:r>
+              <a:rPr lang="es-AR" b="1" dirty="0" err="1" smtClean="0"/>
+              <a:t>Sharding</a:t>
+            </a:r>
+            <a:r>
+              <a:rPr lang="es-AR" b="1" dirty="0" smtClean="0"/>
+              <a:t>:</a:t>
+            </a:r>
+            <a:r>
+              <a:rPr lang="es-AR" dirty="0" smtClean="0"/>
+              <a:t> </a:t>
             </a:r>
             <a:r>
               <a:rPr lang="es-AR" dirty="0" err="1" smtClean="0"/>
@@ -7244,30 +7295,101 @@
             </a:r>
             <a:r>
               <a:rPr lang="es-AR" dirty="0" smtClean="0"/>
-              <a:t> hacen posible embeber estructuras en un campo o </a:t>
+              <a:t> utiliza el </a:t>
+            </a:r>
+            <a:r>
+              <a:rPr lang="es-AR" i="1" dirty="0" err="1" smtClean="0"/>
+              <a:t>sharding</a:t>
+            </a:r>
+            <a:r>
+              <a:rPr lang="es-AR" dirty="0" smtClean="0"/>
+              <a:t> para proporcionar escalabilidad horizontal. Esto permite </a:t>
             </a:r>
             <a:r>
               <a:rPr lang="es-AR" dirty="0" err="1" smtClean="0"/>
-              <a:t>arrays</a:t>
+              <a:t>particionar</a:t>
             </a:r>
             <a:r>
               <a:rPr lang="es-AR" dirty="0" smtClean="0"/>
-              <a:t> dentro de un documento.</a:t>
-            </a:r>
-          </a:p>
-          <a:p>
+              <a:t> una colección dentro de la base de datos para distribuir los documentos de una colección a través de una serie de instancias de Mongo.</a:t>
+            </a:r>
+          </a:p>
+          <a:p>
+            <a:r>
+              <a:rPr lang="es-AR" b="1" dirty="0" err="1" smtClean="0"/>
+              <a:t>Indices</a:t>
+            </a:r>
+            <a:r>
+              <a:rPr lang="es-AR" sz="1800" b="1" dirty="0" smtClean="0"/>
+              <a:t>: </a:t>
+            </a:r>
             <a:r>
               <a:rPr lang="es-AR" dirty="0" smtClean="0"/>
-              <a:t>Este modelo de datos </a:t>
-            </a:r>
-            <a:r>
-              <a:rPr lang="es-AR" i="1" dirty="0" err="1" smtClean="0"/>
-              <a:t>desnormalizado</a:t>
+              <a:t> Los índices son usados para mejorar la performance. Se pueden crear índices a partir de los campos de uso común dentro de las </a:t>
+            </a:r>
+            <a:r>
+              <a:rPr lang="es-AR" dirty="0" err="1" smtClean="0"/>
+              <a:t>queries</a:t>
             </a:r>
             <a:r>
               <a:rPr lang="es-AR" dirty="0" smtClean="0"/>
-              <a:t> permite a las Apps obtener y manipular datos relacionados en una única operación.</a:t>
-            </a:r>
+              <a:t> que se manejan en la App. </a:t>
+            </a:r>
+            <a:r>
+              <a:rPr lang="es-AR" dirty="0" err="1" smtClean="0"/>
+              <a:t>Ademas</a:t>
+            </a:r>
+            <a:r>
+              <a:rPr lang="es-AR" dirty="0" smtClean="0"/>
+              <a:t> Mongo crea índices únicos para el campo </a:t>
+            </a:r>
+            <a:r>
+              <a:rPr lang="es-AR" b="1" i="1" dirty="0" smtClean="0"/>
+              <a:t>_id</a:t>
+            </a:r>
+            <a:r>
+              <a:rPr lang="es-AR" dirty="0" smtClean="0"/>
+              <a:t>.</a:t>
+            </a:r>
+          </a:p>
+          <a:p>
+            <a:r>
+              <a:rPr lang="es-AR" b="1" dirty="0" smtClean="0"/>
+              <a:t>Las Colecciones contienen un gran número de Documentos:</a:t>
+            </a:r>
+            <a:r>
+              <a:rPr lang="es-AR" dirty="0" smtClean="0"/>
+              <a:t> De ser posible, hay que evitar que se dé esta condición por motivos de performance. Es aconsejable juntar estos objetos mas pequeños mediante alguna lógica que los agrupe. De esta manera habrá pocas copias de los campos comunes y habrá pocas entradas claves para el correspondiente índice.</a:t>
+            </a:r>
+          </a:p>
+          <a:p>
+            <a:r>
+              <a:rPr lang="es-AR" b="1" dirty="0" smtClean="0"/>
+              <a:t>Optimización de Almacenamiento para pequeños Documentos:</a:t>
+            </a:r>
+            <a:r>
+              <a:rPr lang="es-AR" dirty="0" smtClean="0"/>
+              <a:t> Cada documento en </a:t>
+            </a:r>
+            <a:r>
+              <a:rPr lang="es-AR" dirty="0" err="1" smtClean="0"/>
+              <a:t>MongoDB</a:t>
+            </a:r>
+            <a:r>
+              <a:rPr lang="es-AR" dirty="0" smtClean="0"/>
+              <a:t> contiene algún tipo de </a:t>
+            </a:r>
+            <a:r>
+              <a:rPr lang="es-AR" i="1" dirty="0" smtClean="0"/>
+              <a:t>sobrecarga</a:t>
+            </a:r>
+            <a:r>
+              <a:rPr lang="es-AR" dirty="0" smtClean="0"/>
+              <a:t> la cual es normalmente insignificante, pero se torna lo contrario si los documentos son pequeños (uno o dos campos máximo).</a:t>
+            </a:r>
+            <a:endParaRPr lang="es-AR" b="1" dirty="0"/>
+          </a:p>
+          <a:p>
             <a:endParaRPr lang="es-AR" dirty="0"/>
           </a:p>
         </p:txBody>
@@ -7318,57 +7440,16 @@
           <a:p>
             <a:r>
               <a:rPr lang="es-AR" dirty="0" smtClean="0"/>
-              <a:t>Documentos Embebidos</a:t>
+              <a:t>Factores Operacionales y Modelos de Datos</a:t>
             </a:r>
             <a:endParaRPr lang="es-AR" dirty="0"/>
           </a:p>
         </p:txBody>
       </p:sp>
-      <p:pic>
-        <p:nvPicPr>
-          <p:cNvPr id="2052" name="Picture 4" descr="Data model with embedded fields that contain all related information."/>
-          <p:cNvPicPr>
-            <a:picLocks noChangeAspect="1" noChangeArrowheads="1"/>
-          </p:cNvPicPr>
-          <p:nvPr/>
-        </p:nvPicPr>
-        <p:blipFill>
-          <a:blip r:embed="rId2">
-            <a:extLst>
-              <a:ext uri="{28A0092B-C50C-407E-A947-70E740481C1C}">
-                <a14:useLocalDpi xmlns:a14="http://schemas.microsoft.com/office/drawing/2010/main" val="0"/>
-              </a:ext>
-            </a:extLst>
-          </a:blip>
-          <a:srcRect/>
-          <a:stretch>
-            <a:fillRect/>
-          </a:stretch>
-        </p:blipFill>
-        <p:spPr bwMode="auto">
-          <a:xfrm>
-            <a:off x="1946275" y="2533650"/>
-            <a:ext cx="6858000" cy="3867150"/>
-          </a:xfrm>
-          <a:prstGeom prst="rect">
-            <a:avLst/>
-          </a:prstGeom>
-          <a:noFill/>
-          <a:extLst>
-            <a:ext uri="{909E8E84-426E-40DD-AFC4-6F175D3DCCD1}">
-              <a14:hiddenFill xmlns:a14="http://schemas.microsoft.com/office/drawing/2010/main">
-                <a:solidFill>
-                  <a:srgbClr val="FFFFFF"/>
-                </a:solidFill>
-              </a14:hiddenFill>
-            </a:ext>
-          </a:extLst>
-        </p:spPr>
-      </p:pic>
     </p:spTree>
     <p:extLst>
       <p:ext uri="{BB962C8B-B14F-4D97-AF65-F5344CB8AC3E}">
-        <p14:creationId xmlns:p14="http://schemas.microsoft.com/office/powerpoint/2010/main" val="3053715725"/>
+        <p14:creationId xmlns:p14="http://schemas.microsoft.com/office/powerpoint/2010/main" val="1817054784"/>
       </p:ext>
     </p:extLst>
   </p:cSld>
@@ -7397,12 +7478,12 @@
       </p:grpSpPr>
       <p:sp>
         <p:nvSpPr>
-          <p:cNvPr id="2" name="Content Placeholder 1"/>
+          <p:cNvPr id="2" name="Text Placeholder 1"/>
           <p:cNvSpPr>
             <a:spLocks noGrp="1"/>
           </p:cNvSpPr>
           <p:nvPr>
-            <p:ph idx="15"/>
+            <p:ph type="body" sz="quarter" idx="11"/>
           </p:nvPr>
         </p:nvSpPr>
         <p:spPr/>
@@ -7411,206 +7492,8 @@
           <a:lstStyle/>
           <a:p>
             <a:r>
-              <a:rPr lang="es-AR" b="1" dirty="0" err="1" smtClean="0"/>
-              <a:t>Credumiento</a:t>
-            </a:r>
-            <a:r>
-              <a:rPr lang="es-AR" b="1" dirty="0" smtClean="0"/>
-              <a:t> del Documento: </a:t>
-            </a:r>
-            <a:r>
               <a:rPr lang="es-AR" dirty="0" smtClean="0"/>
-              <a:t>algunas actualizaciones sobre los documentos pueden incrementar el tamaño de los mismos. </a:t>
-            </a:r>
-            <a:endParaRPr lang="es-AR" b="1" dirty="0" smtClean="0"/>
-          </a:p>
-          <a:p>
-            <a:r>
-              <a:rPr lang="es-AR" b="1" dirty="0" smtClean="0"/>
-              <a:t>Atomicidad: </a:t>
-            </a:r>
-            <a:r>
-              <a:rPr lang="es-AR" dirty="0" smtClean="0"/>
-              <a:t>Las operaciones son </a:t>
-            </a:r>
-            <a:r>
-              <a:rPr lang="es-AR" i="1" dirty="0" smtClean="0"/>
-              <a:t>atómicas</a:t>
-            </a:r>
-            <a:r>
-              <a:rPr lang="es-AR" dirty="0" smtClean="0"/>
-              <a:t>. </a:t>
-            </a:r>
-            <a:r>
-              <a:rPr lang="es-AR" dirty="0" smtClean="0"/>
-              <a:t>Lo que significa que una operación no puede cambiar mas de un documento. Operaciones que modifican mas de un documento en una colección se ejecutan sobre un documento a la vez.</a:t>
-            </a:r>
-          </a:p>
-          <a:p>
-            <a:r>
-              <a:rPr lang="es-AR" b="1" dirty="0" err="1" smtClean="0"/>
-              <a:t>Sharding</a:t>
-            </a:r>
-            <a:r>
-              <a:rPr lang="es-AR" b="1" dirty="0" smtClean="0"/>
-              <a:t>:</a:t>
-            </a:r>
-            <a:r>
-              <a:rPr lang="es-AR" dirty="0" smtClean="0"/>
-              <a:t> </a:t>
-            </a:r>
-            <a:r>
-              <a:rPr lang="es-AR" dirty="0" err="1" smtClean="0"/>
-              <a:t>MongoDB</a:t>
-            </a:r>
-            <a:r>
-              <a:rPr lang="es-AR" dirty="0" smtClean="0"/>
-              <a:t> utiliza el </a:t>
-            </a:r>
-            <a:r>
-              <a:rPr lang="es-AR" i="1" dirty="0" err="1" smtClean="0"/>
-              <a:t>sharding</a:t>
-            </a:r>
-            <a:r>
-              <a:rPr lang="es-AR" dirty="0" smtClean="0"/>
-              <a:t> para proporcionar escalabilidad horizontal. Esto permite </a:t>
-            </a:r>
-            <a:r>
-              <a:rPr lang="es-AR" dirty="0" err="1" smtClean="0"/>
-              <a:t>particionar</a:t>
-            </a:r>
-            <a:r>
-              <a:rPr lang="es-AR" dirty="0" smtClean="0"/>
-              <a:t> una colección dentro de la base de datos para distribuir los documentos de una colección a través de una serie de instancias de Mongo.</a:t>
-            </a:r>
-          </a:p>
-          <a:p>
-            <a:r>
-              <a:rPr lang="es-AR" b="1" dirty="0" err="1" smtClean="0"/>
-              <a:t>Indices</a:t>
-            </a:r>
-            <a:r>
-              <a:rPr lang="es-AR" sz="1800" b="1" dirty="0" smtClean="0"/>
-              <a:t>: </a:t>
-            </a:r>
-            <a:r>
-              <a:rPr lang="es-AR" dirty="0" smtClean="0"/>
-              <a:t> Los índices son usados para mejorar la performance. Se pueden crear índices a partir de los campos de uso común dentro de las </a:t>
-            </a:r>
-            <a:r>
-              <a:rPr lang="es-AR" dirty="0" err="1" smtClean="0"/>
-              <a:t>queries</a:t>
-            </a:r>
-            <a:r>
-              <a:rPr lang="es-AR" dirty="0" smtClean="0"/>
-              <a:t> que se manejan en la App. </a:t>
-            </a:r>
-            <a:r>
-              <a:rPr lang="es-AR" dirty="0" err="1" smtClean="0"/>
-              <a:t>Ademas</a:t>
-            </a:r>
-            <a:r>
-              <a:rPr lang="es-AR" dirty="0" smtClean="0"/>
-              <a:t> Mongo crea índices únicos para el campo </a:t>
-            </a:r>
-            <a:r>
-              <a:rPr lang="es-AR" b="1" i="1" dirty="0" smtClean="0"/>
-              <a:t>_id</a:t>
-            </a:r>
-            <a:r>
-              <a:rPr lang="es-AR" dirty="0" smtClean="0"/>
-              <a:t>.</a:t>
-            </a:r>
-          </a:p>
-          <a:p>
-            <a:r>
-              <a:rPr lang="es-AR" b="1" dirty="0" smtClean="0"/>
-              <a:t>Las Colecciones contienen un gran número de Documentos:</a:t>
-            </a:r>
-            <a:r>
-              <a:rPr lang="es-AR" dirty="0" smtClean="0"/>
-              <a:t> De ser posible, hay que evitar que se dé esta condición por motivos de performance. Es aconsejable juntar estos objetos mas pequeños mediante alguna lógica que los agrupe. De esta manera habrá pocas copias de los campos comunes y habrá pocas entradas claves para el correspondiente índice.</a:t>
-            </a:r>
-          </a:p>
-          <a:p>
-            <a:r>
-              <a:rPr lang="es-AR" b="1" dirty="0" smtClean="0"/>
-              <a:t>Optimización de Almacenamiento para pequeños Documentos:</a:t>
-            </a:r>
-            <a:r>
-              <a:rPr lang="es-AR" dirty="0" smtClean="0"/>
-              <a:t> Cada documento en </a:t>
-            </a:r>
-            <a:r>
-              <a:rPr lang="es-AR" dirty="0" err="1" smtClean="0"/>
-              <a:t>MongoDB</a:t>
-            </a:r>
-            <a:r>
-              <a:rPr lang="es-AR" dirty="0" smtClean="0"/>
-              <a:t> contiene algún tipo de </a:t>
-            </a:r>
-            <a:r>
-              <a:rPr lang="es-AR" i="1" dirty="0" smtClean="0"/>
-              <a:t>sobrecarga</a:t>
-            </a:r>
-            <a:r>
-              <a:rPr lang="es-AR" dirty="0" smtClean="0"/>
-              <a:t> la cual es normalmente insignificante, pero se torna lo contrario si los documentos son pequeños (uno o dos campos máximo).</a:t>
-            </a:r>
-            <a:endParaRPr lang="es-AR" b="1" dirty="0"/>
-          </a:p>
-          <a:p>
-            <a:endParaRPr lang="es-AR" dirty="0"/>
-          </a:p>
-        </p:txBody>
-      </p:sp>
-      <p:sp>
-        <p:nvSpPr>
-          <p:cNvPr id="3" name="Text Placeholder 2"/>
-          <p:cNvSpPr>
-            <a:spLocks noGrp="1"/>
-          </p:cNvSpPr>
-          <p:nvPr>
-            <p:ph type="body" sz="quarter" idx="16"/>
-          </p:nvPr>
-        </p:nvSpPr>
-        <p:spPr/>
-        <p:txBody>
-          <a:bodyPr>
-            <a:normAutofit/>
-          </a:bodyPr>
-          <a:lstStyle/>
-          <a:p>
-            <a:r>
-              <a:rPr lang="es-AR" dirty="0"/>
-              <a:t>Modelado de datos en Mongo</a:t>
-            </a:r>
-          </a:p>
-        </p:txBody>
-      </p:sp>
-      <p:sp>
-        <p:nvSpPr>
-          <p:cNvPr id="5" name="Text Placeholder 3"/>
-          <p:cNvSpPr>
-            <a:spLocks noGrp="1"/>
-          </p:cNvSpPr>
-          <p:nvPr>
-            <p:ph type="body" sz="quarter" idx="17"/>
-          </p:nvPr>
-        </p:nvSpPr>
-        <p:spPr>
-          <a:xfrm>
-            <a:off x="239184" y="836448"/>
-            <a:ext cx="11713633" cy="383117"/>
-          </a:xfrm>
-        </p:spPr>
-        <p:txBody>
-          <a:bodyPr/>
-          <a:lstStyle/>
-          <a:p>
-            <a:r>
-              <a:rPr lang="es-AR" dirty="0" smtClean="0"/>
-              <a:t>Factores Operacionales y Modelos de Datos</a:t>
+              <a:t>Mongo Shell</a:t>
             </a:r>
             <a:endParaRPr lang="es-AR" dirty="0"/>
           </a:p>
@@ -7619,7 +7502,7 @@
     </p:spTree>
     <p:extLst>
       <p:ext uri="{BB962C8B-B14F-4D97-AF65-F5344CB8AC3E}">
-        <p14:creationId xmlns:p14="http://schemas.microsoft.com/office/powerpoint/2010/main" val="1817054784"/>
+        <p14:creationId xmlns:p14="http://schemas.microsoft.com/office/powerpoint/2010/main" val="2082847621"/>
       </p:ext>
     </p:extLst>
   </p:cSld>
@@ -7648,12 +7531,12 @@
       </p:grpSpPr>
       <p:sp>
         <p:nvSpPr>
-          <p:cNvPr id="2" name="Text Placeholder 1"/>
+          <p:cNvPr id="2" name="Content Placeholder 1"/>
           <p:cNvSpPr>
             <a:spLocks noGrp="1"/>
           </p:cNvSpPr>
           <p:nvPr>
-            <p:ph type="body" sz="quarter" idx="11"/>
+            <p:ph idx="15"/>
           </p:nvPr>
         </p:nvSpPr>
         <p:spPr/>
@@ -7663,7 +7546,107 @@
           <a:p>
             <a:r>
               <a:rPr lang="es-AR" dirty="0" smtClean="0"/>
+              <a:t>Es una intuitiva interfaz que se basa en JavaScript y se conecta a </a:t>
+            </a:r>
+            <a:r>
+              <a:rPr lang="es-AR" dirty="0" err="1" smtClean="0"/>
+              <a:t>MongoDB</a:t>
+            </a:r>
+            <a:r>
+              <a:rPr lang="es-AR" dirty="0" smtClean="0"/>
+              <a:t>. </a:t>
+            </a:r>
+          </a:p>
+          <a:p>
+            <a:r>
+              <a:rPr lang="es-AR" dirty="0" smtClean="0"/>
+              <a:t>Se puede usar para correr </a:t>
+            </a:r>
+            <a:r>
+              <a:rPr lang="es-AR" dirty="0" err="1" smtClean="0"/>
+              <a:t>queries</a:t>
+            </a:r>
+            <a:r>
+              <a:rPr lang="es-AR" dirty="0" smtClean="0"/>
+              <a:t> y actualizaciones y aplicar operaciones administrativas.</a:t>
+            </a:r>
+          </a:p>
+          <a:p>
+            <a:r>
+              <a:rPr lang="es-AR" dirty="0" smtClean="0"/>
+              <a:t>Es un componente de las distribuciones </a:t>
+            </a:r>
+            <a:r>
+              <a:rPr lang="es-AR" dirty="0" err="1" smtClean="0"/>
+              <a:t>MongoDB</a:t>
+            </a:r>
+            <a:r>
+              <a:rPr lang="es-AR" dirty="0" smtClean="0"/>
+              <a:t>. Se instala junto con mongo y se puede usar para correr una instancia de </a:t>
+            </a:r>
+            <a:r>
+              <a:rPr lang="es-AR" dirty="0" err="1" smtClean="0"/>
+              <a:t>MongoDB</a:t>
+            </a:r>
+            <a:r>
+              <a:rPr lang="es-AR" dirty="0" smtClean="0"/>
+              <a:t>.</a:t>
+            </a:r>
+            <a:endParaRPr lang="es-AR" dirty="0"/>
+          </a:p>
+          <a:p>
+            <a:endParaRPr lang="es-AR" dirty="0"/>
+          </a:p>
+        </p:txBody>
+      </p:sp>
+      <p:sp>
+        <p:nvSpPr>
+          <p:cNvPr id="3" name="Text Placeholder 2"/>
+          <p:cNvSpPr>
+            <a:spLocks noGrp="1"/>
+          </p:cNvSpPr>
+          <p:nvPr>
+            <p:ph type="body" sz="quarter" idx="16"/>
+          </p:nvPr>
+        </p:nvSpPr>
+        <p:spPr/>
+        <p:txBody>
+          <a:bodyPr>
+            <a:normAutofit/>
+          </a:bodyPr>
+          <a:lstStyle/>
+          <a:p>
+            <a:r>
+              <a:rPr lang="es-AR" dirty="0" smtClean="0"/>
               <a:t>Mongo Shell</a:t>
+            </a:r>
+            <a:endParaRPr lang="es-AR" dirty="0"/>
+          </a:p>
+        </p:txBody>
+      </p:sp>
+      <p:sp>
+        <p:nvSpPr>
+          <p:cNvPr id="5" name="Text Placeholder 3"/>
+          <p:cNvSpPr>
+            <a:spLocks noGrp="1"/>
+          </p:cNvSpPr>
+          <p:nvPr>
+            <p:ph type="body" sz="quarter" idx="17"/>
+          </p:nvPr>
+        </p:nvSpPr>
+        <p:spPr>
+          <a:xfrm>
+            <a:off x="239184" y="836448"/>
+            <a:ext cx="11713633" cy="383117"/>
+          </a:xfrm>
+        </p:spPr>
+        <p:txBody>
+          <a:bodyPr/>
+          <a:lstStyle/>
+          <a:p>
+            <a:r>
+              <a:rPr lang="es-AR" dirty="0" smtClean="0"/>
+              <a:t>Factores Operacionales y Modelos de Datos</a:t>
             </a:r>
             <a:endParaRPr lang="es-AR" dirty="0"/>
           </a:p>
@@ -7672,7 +7655,7 @@
     </p:spTree>
     <p:extLst>
       <p:ext uri="{BB962C8B-B14F-4D97-AF65-F5344CB8AC3E}">
-        <p14:creationId xmlns:p14="http://schemas.microsoft.com/office/powerpoint/2010/main" val="2082847621"/>
+        <p14:creationId xmlns:p14="http://schemas.microsoft.com/office/powerpoint/2010/main" val="3500349894"/>
       </p:ext>
     </p:extLst>
   </p:cSld>
@@ -7701,12 +7684,12 @@
       </p:grpSpPr>
       <p:sp>
         <p:nvSpPr>
-          <p:cNvPr id="2" name="Content Placeholder 1"/>
+          <p:cNvPr id="2" name="Text Placeholder 1"/>
           <p:cNvSpPr>
             <a:spLocks noGrp="1"/>
           </p:cNvSpPr>
           <p:nvPr>
-            <p:ph idx="15"/>
+            <p:ph type="body" sz="quarter" idx="11"/>
           </p:nvPr>
         </p:nvSpPr>
         <p:spPr/>
@@ -7715,117 +7698,16 @@
           <a:lstStyle/>
           <a:p>
             <a:r>
-              <a:rPr lang="es-AR" dirty="0" smtClean="0"/>
-              <a:t>Es una intuitiva interfaz que se basa en JavaScript y se conecta a </a:t>
-            </a:r>
-            <a:r>
-              <a:rPr lang="es-AR" dirty="0" err="1" smtClean="0"/>
-              <a:t>MongoDB</a:t>
-            </a:r>
-            <a:r>
-              <a:rPr lang="es-AR" dirty="0" smtClean="0"/>
-              <a:t>. </a:t>
-            </a:r>
-          </a:p>
-          <a:p>
-            <a:r>
-              <a:rPr lang="es-AR" dirty="0" smtClean="0"/>
-              <a:t>Se puede usar para correr </a:t>
-            </a:r>
-            <a:r>
-              <a:rPr lang="es-AR" dirty="0" err="1" smtClean="0"/>
-              <a:t>queries</a:t>
-            </a:r>
-            <a:r>
-              <a:rPr lang="es-AR" dirty="0" smtClean="0"/>
-              <a:t> y actualizaciones y aplicar operaciones administrativas.</a:t>
-            </a:r>
-          </a:p>
-          <a:p>
-            <a:r>
-              <a:rPr lang="es-AR" dirty="0" smtClean="0"/>
-              <a:t>Es un componente de las distribuciones </a:t>
-            </a:r>
-            <a:r>
-              <a:rPr lang="es-AR" dirty="0" err="1" smtClean="0"/>
-              <a:t>MongoDB</a:t>
-            </a:r>
-            <a:r>
-              <a:rPr lang="es-AR" dirty="0" smtClean="0"/>
-              <a:t>. Se instala junto con mongo y se puede usar para correr una instancia de </a:t>
-            </a:r>
-            <a:r>
-              <a:rPr lang="es-AR" dirty="0" err="1" smtClean="0"/>
-              <a:t>MongoDB</a:t>
-            </a:r>
-            <a:r>
-              <a:rPr lang="es-AR" dirty="0" smtClean="0"/>
-              <a:t>.</a:t>
-            </a:r>
-            <a:endParaRPr lang="es-AR" dirty="0"/>
-          </a:p>
-          <a:p>
-            <a:endParaRPr lang="es-AR" dirty="0"/>
-          </a:p>
-        </p:txBody>
-      </p:sp>
-      <p:sp>
-        <p:nvSpPr>
-          <p:cNvPr id="3" name="Text Placeholder 2"/>
-          <p:cNvSpPr>
-            <a:spLocks noGrp="1"/>
-          </p:cNvSpPr>
-          <p:nvPr>
-            <p:ph type="body" sz="quarter" idx="16"/>
-          </p:nvPr>
-        </p:nvSpPr>
-        <p:spPr/>
-        <p:txBody>
-          <a:bodyPr>
-            <a:normAutofit/>
-          </a:bodyPr>
-          <a:lstStyle/>
-          <a:p>
-            <a:r>
-              <a:rPr lang="es-AR" dirty="0" smtClean="0"/>
-              <a:t>Mongo Shell</a:t>
-            </a:r>
-            <a:endParaRPr lang="es-AR" dirty="0"/>
-          </a:p>
-        </p:txBody>
-      </p:sp>
-      <p:sp>
-        <p:nvSpPr>
-          <p:cNvPr id="5" name="Text Placeholder 3"/>
-          <p:cNvSpPr>
-            <a:spLocks noGrp="1"/>
-          </p:cNvSpPr>
-          <p:nvPr>
-            <p:ph type="body" sz="quarter" idx="17"/>
-          </p:nvPr>
-        </p:nvSpPr>
-        <p:spPr>
-          <a:xfrm>
-            <a:off x="239184" y="836448"/>
-            <a:ext cx="11713633" cy="383117"/>
-          </a:xfrm>
-        </p:spPr>
-        <p:txBody>
-          <a:bodyPr/>
-          <a:lstStyle/>
-          <a:p>
-            <a:r>
-              <a:rPr lang="es-AR" dirty="0" smtClean="0"/>
-              <a:t>Factores Operacionales y Modelos de Datos</a:t>
-            </a:r>
-            <a:endParaRPr lang="es-AR" dirty="0"/>
+              <a:rPr lang="es-AR" dirty="0"/>
+              <a:t>Operaciones CRUD</a:t>
+            </a:r>
           </a:p>
         </p:txBody>
       </p:sp>
     </p:spTree>
     <p:extLst>
       <p:ext uri="{BB962C8B-B14F-4D97-AF65-F5344CB8AC3E}">
-        <p14:creationId xmlns:p14="http://schemas.microsoft.com/office/powerpoint/2010/main" val="3500349894"/>
+        <p14:creationId xmlns:p14="http://schemas.microsoft.com/office/powerpoint/2010/main" val="2963233133"/>
       </p:ext>
     </p:extLst>
   </p:cSld>
@@ -7854,12 +7736,12 @@
       </p:grpSpPr>
       <p:sp>
         <p:nvSpPr>
-          <p:cNvPr id="2" name="Text Placeholder 1"/>
+          <p:cNvPr id="2" name="Content Placeholder 1"/>
           <p:cNvSpPr>
             <a:spLocks noGrp="1"/>
           </p:cNvSpPr>
           <p:nvPr>
-            <p:ph type="body" sz="quarter" idx="11"/>
+            <p:ph idx="15"/>
           </p:nvPr>
         </p:nvSpPr>
         <p:spPr/>
@@ -7868,17 +7750,169 @@
           <a:lstStyle/>
           <a:p>
             <a:r>
+              <a:rPr lang="es-AR" dirty="0" smtClean="0"/>
+              <a:t>Representan las operaciones de creación o inserción de un nuevo documento a una colección.</a:t>
+            </a:r>
+          </a:p>
+          <a:p>
+            <a:r>
+              <a:rPr lang="es-AR" dirty="0" smtClean="0"/>
+              <a:t>Si la colección no existe al momento de la inserción, la misma es creada y el documento guardado.</a:t>
+            </a:r>
+          </a:p>
+          <a:p>
+            <a:r>
+              <a:rPr lang="es-AR" dirty="0" smtClean="0"/>
+              <a:t>Métodos que existen actualmente:</a:t>
+            </a:r>
+          </a:p>
+          <a:p>
+            <a:pPr lvl="1"/>
+            <a:r>
+              <a:rPr lang="es-AR" dirty="0" err="1" smtClean="0"/>
+              <a:t>Db.collection.insert</a:t>
+            </a:r>
+            <a:r>
+              <a:rPr lang="es-AR" dirty="0" smtClean="0"/>
+              <a:t>();</a:t>
+            </a:r>
+          </a:p>
+          <a:p>
+            <a:pPr lvl="1"/>
+            <a:r>
+              <a:rPr lang="es-AR" dirty="0" err="1" smtClean="0"/>
+              <a:t>Db.collection.insertOne</a:t>
+            </a:r>
+            <a:r>
+              <a:rPr lang="es-AR" dirty="0" smtClean="0"/>
+              <a:t>();</a:t>
+            </a:r>
+          </a:p>
+          <a:p>
+            <a:pPr lvl="1"/>
+            <a:r>
+              <a:rPr lang="es-AR" dirty="0" err="1" smtClean="0"/>
+              <a:t>Db.collection.insertMan</a:t>
+            </a:r>
+            <a:r>
+              <a:rPr lang="es-AR" dirty="0" err="1"/>
+              <a:t>y</a:t>
+            </a:r>
+            <a:r>
+              <a:rPr lang="es-AR" dirty="0" smtClean="0"/>
+              <a:t>();</a:t>
+            </a:r>
+            <a:endParaRPr lang="es-AR" dirty="0"/>
+          </a:p>
+          <a:p>
+            <a:pPr lvl="1"/>
+            <a:endParaRPr lang="es-AR" dirty="0"/>
+          </a:p>
+          <a:p>
+            <a:endParaRPr lang="es-AR" dirty="0"/>
+          </a:p>
+          <a:p>
+            <a:endParaRPr lang="es-AR" dirty="0"/>
+          </a:p>
+        </p:txBody>
+      </p:sp>
+      <p:sp>
+        <p:nvSpPr>
+          <p:cNvPr id="3" name="Text Placeholder 2"/>
+          <p:cNvSpPr>
+            <a:spLocks noGrp="1"/>
+          </p:cNvSpPr>
+          <p:nvPr>
+            <p:ph type="body" sz="quarter" idx="16"/>
+          </p:nvPr>
+        </p:nvSpPr>
+        <p:spPr/>
+        <p:txBody>
+          <a:bodyPr>
+            <a:normAutofit/>
+          </a:bodyPr>
+          <a:lstStyle/>
+          <a:p>
+            <a:r>
               <a:rPr lang="es-AR" dirty="0"/>
               <a:t>Operaciones CRUD</a:t>
             </a:r>
+          </a:p>
+        </p:txBody>
+      </p:sp>
+      <p:sp>
+        <p:nvSpPr>
+          <p:cNvPr id="5" name="Text Placeholder 3"/>
+          <p:cNvSpPr>
+            <a:spLocks noGrp="1"/>
+          </p:cNvSpPr>
+          <p:nvPr>
+            <p:ph type="body" sz="quarter" idx="17"/>
+          </p:nvPr>
+        </p:nvSpPr>
+        <p:spPr>
+          <a:xfrm>
+            <a:off x="239184" y="836448"/>
+            <a:ext cx="11713633" cy="383117"/>
+          </a:xfrm>
+        </p:spPr>
+        <p:txBody>
+          <a:bodyPr/>
+          <a:lstStyle/>
+          <a:p>
+            <a:r>
+              <a:rPr lang="es-AR" dirty="0" smtClean="0"/>
+              <a:t>Operaciones CREATE</a:t>
+            </a:r>
             <a:endParaRPr lang="es-AR" dirty="0"/>
           </a:p>
         </p:txBody>
       </p:sp>
+      <p:pic>
+        <p:nvPicPr>
+          <p:cNvPr id="1028" name="Picture 4" descr="The components of a MongoDB insert operations."/>
+          <p:cNvPicPr>
+            <a:picLocks noChangeAspect="1" noChangeArrowheads="1"/>
+          </p:cNvPicPr>
+          <p:nvPr/>
+        </p:nvPicPr>
+        <p:blipFill>
+          <a:blip r:embed="rId2">
+            <a:extLst>
+              <a:ext uri="{28A0092B-C50C-407E-A947-70E740481C1C}">
+                <a14:useLocalDpi xmlns:a14="http://schemas.microsoft.com/office/drawing/2010/main" val="0"/>
+              </a:ext>
+            </a:extLst>
+          </a:blip>
+          <a:srcRect/>
+          <a:stretch>
+            <a:fillRect/>
+          </a:stretch>
+        </p:blipFill>
+        <p:spPr bwMode="auto">
+          <a:xfrm>
+            <a:off x="2992895" y="3912556"/>
+            <a:ext cx="5619750" cy="1905000"/>
+          </a:xfrm>
+          <a:prstGeom prst="rect">
+            <a:avLst/>
+          </a:prstGeom>
+          <a:noFill/>
+          <a:extLst>
+            <a:ext uri="{909E8E84-426E-40DD-AFC4-6F175D3DCCD1}">
+              <a14:hiddenFill xmlns:a14="http://schemas.microsoft.com/office/drawing/2010/main">
+                <a:solidFill>
+                  <a:srgbClr val="FFFFFF"/>
+                </a:solidFill>
+              </a14:hiddenFill>
+            </a:ext>
+          </a:extLst>
+        </p:spPr>
+      </p:pic>
     </p:spTree>
     <p:extLst>
       <p:ext uri="{BB962C8B-B14F-4D97-AF65-F5344CB8AC3E}">
-        <p14:creationId xmlns:p14="http://schemas.microsoft.com/office/powerpoint/2010/main" val="2963233133"/>
+        <p14:creationId xmlns:p14="http://schemas.microsoft.com/office/powerpoint/2010/main" val="4255900495"/>
       </p:ext>
     </p:extLst>
   </p:cSld>
@@ -7922,13 +7956,15 @@
           <a:p>
             <a:r>
               <a:rPr lang="es-AR" dirty="0" smtClean="0"/>
-              <a:t>Representan las operaciones de creación o inserción de un nuevo documento a una colección.</a:t>
-            </a:r>
-          </a:p>
-          <a:p>
+              <a:t>Representan las operaciones de lectura de una </a:t>
+            </a:r>
+            <a:r>
+              <a:rPr lang="es-AR" dirty="0" err="1" smtClean="0"/>
+              <a:t>coleccion</a:t>
+            </a:r>
             <a:r>
               <a:rPr lang="es-AR" dirty="0" smtClean="0"/>
-              <a:t>Si la colección no existe al momento de la inserción, la misma es creada y el documento guardado.</a:t>
+              <a:t>.</a:t>
             </a:r>
           </a:p>
           <a:p>
@@ -7941,39 +7977,12 @@
             <a:pPr lvl="1"/>
             <a:r>
               <a:rPr lang="es-AR" dirty="0" err="1" smtClean="0"/>
-              <a:t>Db.collection.insert</a:t>
+              <a:t>Db.collection.find</a:t>
             </a:r>
             <a:r>
               <a:rPr lang="es-AR" dirty="0" smtClean="0"/>
               <a:t>();</a:t>
             </a:r>
-          </a:p>
-          <a:p>
-            <a:pPr lvl="1"/>
-            <a:r>
-              <a:rPr lang="es-AR" dirty="0" err="1" smtClean="0"/>
-              <a:t>Db.collection.insertOne</a:t>
-            </a:r>
-            <a:r>
-              <a:rPr lang="es-AR" dirty="0" smtClean="0"/>
-              <a:t>();</a:t>
-            </a:r>
-          </a:p>
-          <a:p>
-            <a:pPr lvl="1"/>
-            <a:r>
-              <a:rPr lang="es-AR" dirty="0" err="1" smtClean="0"/>
-              <a:t>Db.collection.insertMan</a:t>
-            </a:r>
-            <a:r>
-              <a:rPr lang="es-AR" dirty="0" err="1"/>
-              <a:t>y</a:t>
-            </a:r>
-            <a:r>
-              <a:rPr lang="es-AR" dirty="0" smtClean="0"/>
-              <a:t>();</a:t>
-            </a:r>
-            <a:endParaRPr lang="es-AR" dirty="0"/>
           </a:p>
           <a:p>
             <a:pPr lvl="1"/>
@@ -8008,7 +8017,6 @@
               <a:rPr lang="es-AR" dirty="0"/>
               <a:t>Operaciones CRUD</a:t>
             </a:r>
-            <a:endParaRPr lang="es-AR" dirty="0"/>
           </a:p>
         </p:txBody>
       </p:sp>
@@ -8034,7 +8042,7 @@
           <a:p>
             <a:r>
               <a:rPr lang="es-AR" dirty="0" smtClean="0"/>
-              <a:t>Operaciones CREATE</a:t>
+              <a:t>Operaciones READ</a:t>
             </a:r>
             <a:endParaRPr lang="es-AR" dirty="0"/>
           </a:p>
@@ -8042,7 +8050,7 @@
       </p:sp>
       <p:pic>
         <p:nvPicPr>
-          <p:cNvPr id="1028" name="Picture 4" descr="The components of a MongoDB insert operations."/>
+          <p:cNvPr id="2054" name="Picture 6" descr="The components of a MongoDB find operation."/>
           <p:cNvPicPr>
             <a:picLocks noChangeAspect="1" noChangeArrowheads="1"/>
           </p:cNvPicPr>
@@ -8063,8 +8071,8 @@
         </p:blipFill>
         <p:spPr bwMode="auto">
           <a:xfrm>
-            <a:off x="2992895" y="3912556"/>
-            <a:ext cx="5619750" cy="1905000"/>
+            <a:off x="1928611" y="3924556"/>
+            <a:ext cx="6477000" cy="1076326"/>
           </a:xfrm>
           <a:prstGeom prst="rect">
             <a:avLst/>
@@ -8084,7 +8092,7 @@
     </p:spTree>
     <p:extLst>
       <p:ext uri="{BB962C8B-B14F-4D97-AF65-F5344CB8AC3E}">
-        <p14:creationId xmlns:p14="http://schemas.microsoft.com/office/powerpoint/2010/main" val="4255900495"/>
+        <p14:creationId xmlns:p14="http://schemas.microsoft.com/office/powerpoint/2010/main" val="3613300620"/>
       </p:ext>
     </p:extLst>
   </p:cSld>
@@ -8128,15 +8136,43 @@
           <a:p>
             <a:r>
               <a:rPr lang="es-AR" dirty="0" smtClean="0"/>
-              <a:t>Representan las operaciones de lectura de una </a:t>
-            </a:r>
-            <a:r>
-              <a:rPr lang="es-AR" dirty="0" err="1" smtClean="0"/>
-              <a:t>coleccion</a:t>
-            </a:r>
+              <a:t>Representan las operaciones de modificación de un documento que ya existe en una colección.</a:t>
+            </a:r>
+          </a:p>
+          <a:p>
             <a:r>
               <a:rPr lang="es-AR" dirty="0" smtClean="0"/>
-              <a:t>.</a:t>
+              <a:t>En Mongo, el </a:t>
+            </a:r>
+            <a:r>
+              <a:rPr lang="es-AR" i="1" dirty="0" smtClean="0"/>
+              <a:t>objetivo</a:t>
+            </a:r>
+            <a:r>
+              <a:rPr lang="es-AR" dirty="0" smtClean="0"/>
+              <a:t> de una </a:t>
+            </a:r>
+            <a:r>
+              <a:rPr lang="es-AR" dirty="0"/>
+              <a:t>modificación </a:t>
+            </a:r>
+            <a:r>
+              <a:rPr lang="es-AR" dirty="0" smtClean="0"/>
+              <a:t>es una colección</a:t>
+            </a:r>
+          </a:p>
+          <a:p>
+            <a:r>
+              <a:rPr lang="es-AR" dirty="0" smtClean="0"/>
+              <a:t>Las operaciones de escritura son </a:t>
+            </a:r>
+            <a:r>
+              <a:rPr lang="es-AR" i="1" dirty="0" smtClean="0"/>
+              <a:t>atómicas</a:t>
+            </a:r>
+            <a:r>
+              <a:rPr lang="es-AR" dirty="0" smtClean="0"/>
+              <a:t> a nivel de documento.</a:t>
             </a:r>
           </a:p>
           <a:p>
@@ -8149,7 +8185,40 @@
             <a:pPr lvl="1"/>
             <a:r>
               <a:rPr lang="es-AR" dirty="0" err="1" smtClean="0"/>
-              <a:t>Db.collection.find</a:t>
+              <a:t>Db.collection.update</a:t>
+            </a:r>
+            <a:r>
+              <a:rPr lang="es-AR" dirty="0" smtClean="0"/>
+              <a:t>();</a:t>
+            </a:r>
+          </a:p>
+          <a:p>
+            <a:pPr lvl="1"/>
+            <a:r>
+              <a:rPr lang="es-AR" dirty="0" err="1" smtClean="0"/>
+              <a:t>Db.collection.updateOne</a:t>
+            </a:r>
+            <a:r>
+              <a:rPr lang="es-AR" dirty="0" smtClean="0"/>
+              <a:t>();</a:t>
+            </a:r>
+          </a:p>
+          <a:p>
+            <a:pPr lvl="1"/>
+            <a:r>
+              <a:rPr lang="es-AR" dirty="0" err="1" smtClean="0"/>
+              <a:t>Db.collection.updateMany</a:t>
+            </a:r>
+            <a:r>
+              <a:rPr lang="es-AR" dirty="0" smtClean="0"/>
+              <a:t>();</a:t>
+            </a:r>
+          </a:p>
+          <a:p>
+            <a:pPr lvl="1"/>
+            <a:r>
+              <a:rPr lang="es-AR" dirty="0" err="1" smtClean="0"/>
+              <a:t>Db.collection.replaceOne</a:t>
             </a:r>
             <a:r>
               <a:rPr lang="es-AR" dirty="0" smtClean="0"/>
@@ -8189,7 +8258,6 @@
               <a:rPr lang="es-AR" dirty="0"/>
               <a:t>Operaciones CRUD</a:t>
             </a:r>
-            <a:endParaRPr lang="es-AR" dirty="0"/>
           </a:p>
         </p:txBody>
       </p:sp>
@@ -8215,7 +8283,7 @@
           <a:p>
             <a:r>
               <a:rPr lang="es-AR" dirty="0" smtClean="0"/>
-              <a:t>Operaciones READ</a:t>
+              <a:t>Operaciones UPDATE</a:t>
             </a:r>
             <a:endParaRPr lang="es-AR" dirty="0"/>
           </a:p>
@@ -8223,7 +8291,7 @@
       </p:sp>
       <p:pic>
         <p:nvPicPr>
-          <p:cNvPr id="2054" name="Picture 6" descr="The components of a MongoDB find operation."/>
+          <p:cNvPr id="3074" name="Picture 2" descr="The components of a MongoDB update operation."/>
           <p:cNvPicPr>
             <a:picLocks noChangeAspect="1" noChangeArrowheads="1"/>
           </p:cNvPicPr>
@@ -8244,8 +8312,8 @@
         </p:blipFill>
         <p:spPr bwMode="auto">
           <a:xfrm>
-            <a:off x="1928611" y="3924556"/>
-            <a:ext cx="6477000" cy="1076326"/>
+            <a:off x="1725582" y="4413100"/>
+            <a:ext cx="5810250" cy="1457326"/>
           </a:xfrm>
           <a:prstGeom prst="rect">
             <a:avLst/>
@@ -8265,7 +8333,7 @@
     </p:spTree>
     <p:extLst>
       <p:ext uri="{BB962C8B-B14F-4D97-AF65-F5344CB8AC3E}">
-        <p14:creationId xmlns:p14="http://schemas.microsoft.com/office/powerpoint/2010/main" val="3613300620"/>
+        <p14:creationId xmlns:p14="http://schemas.microsoft.com/office/powerpoint/2010/main" val="3205145340"/>
       </p:ext>
     </p:extLst>
   </p:cSld>
@@ -8309,7 +8377,15 @@
           <a:p>
             <a:r>
               <a:rPr lang="es-AR" dirty="0" smtClean="0"/>
-              <a:t>Representan las operaciones de modificación de un documento que ya existe en una colección.</a:t>
+              <a:t>Representan las operaciones de remoción de documentos contenidos en una </a:t>
+            </a:r>
+            <a:r>
+              <a:rPr lang="es-AR" dirty="0" err="1" smtClean="0"/>
+              <a:t>coleccion</a:t>
+            </a:r>
+            <a:r>
+              <a:rPr lang="es-AR" dirty="0" smtClean="0"/>
+              <a:t>.</a:t>
             </a:r>
           </a:p>
           <a:p>
@@ -8323,11 +8399,11 @@
             </a:r>
             <a:r>
               <a:rPr lang="es-AR" dirty="0" smtClean="0"/>
-              <a:t> de una </a:t>
-            </a:r>
-            <a:r>
-              <a:rPr lang="es-AR" dirty="0"/>
-              <a:t>modificación </a:t>
+              <a:t> de </a:t>
+            </a:r>
+            <a:r>
+              <a:rPr lang="es-AR" smtClean="0"/>
+              <a:t>una remoción </a:t>
             </a:r>
             <a:r>
               <a:rPr lang="es-AR" dirty="0" smtClean="0"/>
@@ -8358,7 +8434,7 @@
             <a:pPr lvl="1"/>
             <a:r>
               <a:rPr lang="es-AR" dirty="0" err="1" smtClean="0"/>
-              <a:t>Db.collection.update</a:t>
+              <a:t>Db.collection.remove</a:t>
             </a:r>
             <a:r>
               <a:rPr lang="es-AR" dirty="0" smtClean="0"/>
@@ -8369,7 +8445,7 @@
             <a:pPr lvl="1"/>
             <a:r>
               <a:rPr lang="es-AR" dirty="0" err="1" smtClean="0"/>
-              <a:t>Db.collection.updateOne</a:t>
+              <a:t>Db.collection.removeOne</a:t>
             </a:r>
             <a:r>
               <a:rPr lang="es-AR" dirty="0" smtClean="0"/>
@@ -8380,18 +8456,7 @@
             <a:pPr lvl="1"/>
             <a:r>
               <a:rPr lang="es-AR" dirty="0" err="1" smtClean="0"/>
-              <a:t>Db.collection.updateMany</a:t>
-            </a:r>
-            <a:r>
-              <a:rPr lang="es-AR" dirty="0" smtClean="0"/>
-              <a:t>();</a:t>
-            </a:r>
-          </a:p>
-          <a:p>
-            <a:pPr lvl="1"/>
-            <a:r>
-              <a:rPr lang="es-AR" dirty="0" err="1" smtClean="0"/>
-              <a:t>Db.collection.replaceOne</a:t>
+              <a:t>Db.collection.removeMany</a:t>
             </a:r>
             <a:r>
               <a:rPr lang="es-AR" dirty="0" smtClean="0"/>
@@ -8431,7 +8496,6 @@
               <a:rPr lang="es-AR" dirty="0"/>
               <a:t>Operaciones CRUD</a:t>
             </a:r>
-            <a:endParaRPr lang="es-AR" dirty="0"/>
           </a:p>
         </p:txBody>
       </p:sp>
@@ -8457,7 +8521,7 @@
           <a:p>
             <a:r>
               <a:rPr lang="es-AR" dirty="0" smtClean="0"/>
-              <a:t>Operaciones UPDATE</a:t>
+              <a:t>Operaciones DELETE</a:t>
             </a:r>
             <a:endParaRPr lang="es-AR" dirty="0"/>
           </a:p>
@@ -8465,7 +8529,7 @@
       </p:sp>
       <p:pic>
         <p:nvPicPr>
-          <p:cNvPr id="3074" name="Picture 2" descr="The components of a MongoDB update operation."/>
+          <p:cNvPr id="4098" name="Picture 2" descr="The components of a MongoDB remove operation."/>
           <p:cNvPicPr>
             <a:picLocks noChangeAspect="1" noChangeArrowheads="1"/>
           </p:cNvPicPr>
@@ -8486,8 +8550,8 @@
         </p:blipFill>
         <p:spPr bwMode="auto">
           <a:xfrm>
-            <a:off x="1725582" y="4413100"/>
-            <a:ext cx="5810250" cy="1457326"/>
+            <a:off x="2366761" y="4414058"/>
+            <a:ext cx="4762500" cy="952500"/>
           </a:xfrm>
           <a:prstGeom prst="rect">
             <a:avLst/>
@@ -8507,7 +8571,7 @@
     </p:spTree>
     <p:extLst>
       <p:ext uri="{BB962C8B-B14F-4D97-AF65-F5344CB8AC3E}">
-        <p14:creationId xmlns:p14="http://schemas.microsoft.com/office/powerpoint/2010/main" val="3205145340"/>
+        <p14:creationId xmlns:p14="http://schemas.microsoft.com/office/powerpoint/2010/main" val="2443586402"/>
       </p:ext>
     </p:extLst>
   </p:cSld>
@@ -8534,219 +8598,10 @@
           <a:chExt cx="0" cy="0"/>
         </a:xfrm>
       </p:grpSpPr>
-      <p:sp>
-        <p:nvSpPr>
-          <p:cNvPr id="2" name="Content Placeholder 1"/>
-          <p:cNvSpPr>
-            <a:spLocks noGrp="1"/>
-          </p:cNvSpPr>
-          <p:nvPr>
-            <p:ph idx="15"/>
-          </p:nvPr>
-        </p:nvSpPr>
-        <p:spPr/>
-        <p:txBody>
-          <a:bodyPr/>
-          <a:lstStyle/>
-          <a:p>
-            <a:r>
-              <a:rPr lang="es-AR" dirty="0" smtClean="0"/>
-              <a:t>Representan las operaciones de remoción de documentos contenidos en una </a:t>
-            </a:r>
-            <a:r>
-              <a:rPr lang="es-AR" dirty="0" err="1" smtClean="0"/>
-              <a:t>coleccion</a:t>
-            </a:r>
-            <a:r>
-              <a:rPr lang="es-AR" dirty="0" smtClean="0"/>
-              <a:t>.</a:t>
-            </a:r>
-          </a:p>
-          <a:p>
-            <a:r>
-              <a:rPr lang="es-AR" dirty="0" smtClean="0"/>
-              <a:t>En Mongo, el </a:t>
-            </a:r>
-            <a:r>
-              <a:rPr lang="es-AR" i="1" dirty="0" smtClean="0"/>
-              <a:t>objetivo</a:t>
-            </a:r>
-            <a:r>
-              <a:rPr lang="es-AR" dirty="0" smtClean="0"/>
-              <a:t> de </a:t>
-            </a:r>
-            <a:r>
-              <a:rPr lang="es-AR" smtClean="0"/>
-              <a:t>una remoción </a:t>
-            </a:r>
-            <a:r>
-              <a:rPr lang="es-AR" dirty="0" smtClean="0"/>
-              <a:t>es una colección</a:t>
-            </a:r>
-          </a:p>
-          <a:p>
-            <a:r>
-              <a:rPr lang="es-AR" dirty="0" smtClean="0"/>
-              <a:t>Las operaciones de escritura son </a:t>
-            </a:r>
-            <a:r>
-              <a:rPr lang="es-AR" i="1" dirty="0" smtClean="0"/>
-              <a:t>atómicas</a:t>
-            </a:r>
-            <a:r>
-              <a:rPr lang="es-AR" dirty="0" smtClean="0"/>
-              <a:t> a nivel de documento.</a:t>
-            </a:r>
-          </a:p>
-          <a:p>
-            <a:r>
-              <a:rPr lang="es-AR" dirty="0" smtClean="0"/>
-              <a:t>Métodos que existen actualmente:</a:t>
-            </a:r>
-          </a:p>
-          <a:p>
-            <a:pPr lvl="1"/>
-            <a:r>
-              <a:rPr lang="es-AR" dirty="0" err="1" smtClean="0"/>
-              <a:t>Db.collection.remove</a:t>
-            </a:r>
-            <a:r>
-              <a:rPr lang="es-AR" dirty="0" smtClean="0"/>
-              <a:t>();</a:t>
-            </a:r>
-          </a:p>
-          <a:p>
-            <a:pPr lvl="1"/>
-            <a:r>
-              <a:rPr lang="es-AR" dirty="0" err="1" smtClean="0"/>
-              <a:t>Db.collection.removeOne</a:t>
-            </a:r>
-            <a:r>
-              <a:rPr lang="es-AR" dirty="0" smtClean="0"/>
-              <a:t>();</a:t>
-            </a:r>
-          </a:p>
-          <a:p>
-            <a:pPr lvl="1"/>
-            <a:r>
-              <a:rPr lang="es-AR" dirty="0" err="1" smtClean="0"/>
-              <a:t>Db.collection.removeMany</a:t>
-            </a:r>
-            <a:r>
-              <a:rPr lang="es-AR" dirty="0" smtClean="0"/>
-              <a:t>();</a:t>
-            </a:r>
-          </a:p>
-          <a:p>
-            <a:pPr lvl="1"/>
-            <a:endParaRPr lang="es-AR" dirty="0"/>
-          </a:p>
-          <a:p>
-            <a:endParaRPr lang="es-AR" dirty="0"/>
-          </a:p>
-          <a:p>
-            <a:endParaRPr lang="es-AR" dirty="0"/>
-          </a:p>
-        </p:txBody>
-      </p:sp>
-      <p:sp>
-        <p:nvSpPr>
-          <p:cNvPr id="3" name="Text Placeholder 2"/>
-          <p:cNvSpPr>
-            <a:spLocks noGrp="1"/>
-          </p:cNvSpPr>
-          <p:nvPr>
-            <p:ph type="body" sz="quarter" idx="16"/>
-          </p:nvPr>
-        </p:nvSpPr>
-        <p:spPr/>
-        <p:txBody>
-          <a:bodyPr>
-            <a:normAutofit/>
-          </a:bodyPr>
-          <a:lstStyle/>
-          <a:p>
-            <a:r>
-              <a:rPr lang="es-AR" dirty="0"/>
-              <a:t>Operaciones CRUD</a:t>
-            </a:r>
-            <a:endParaRPr lang="es-AR" dirty="0"/>
-          </a:p>
-        </p:txBody>
-      </p:sp>
-      <p:sp>
-        <p:nvSpPr>
-          <p:cNvPr id="5" name="Text Placeholder 3"/>
-          <p:cNvSpPr>
-            <a:spLocks noGrp="1"/>
-          </p:cNvSpPr>
-          <p:nvPr>
-            <p:ph type="body" sz="quarter" idx="17"/>
-          </p:nvPr>
-        </p:nvSpPr>
-        <p:spPr>
-          <a:xfrm>
-            <a:off x="239184" y="836448"/>
-            <a:ext cx="11713633" cy="383117"/>
-          </a:xfrm>
-        </p:spPr>
-        <p:txBody>
-          <a:bodyPr/>
-          <a:lstStyle/>
-          <a:p>
-            <a:r>
-              <a:rPr lang="es-AR" dirty="0" smtClean="0"/>
-              <a:t>Operaciones DELETE</a:t>
-            </a:r>
-            <a:endParaRPr lang="es-AR" dirty="0"/>
-          </a:p>
-        </p:txBody>
-      </p:sp>
-      <p:pic>
-        <p:nvPicPr>
-          <p:cNvPr id="4098" name="Picture 2" descr="The components of a MongoDB remove operation."/>
-          <p:cNvPicPr>
-            <a:picLocks noChangeAspect="1" noChangeArrowheads="1"/>
-          </p:cNvPicPr>
-          <p:nvPr/>
-        </p:nvPicPr>
-        <p:blipFill>
-          <a:blip r:embed="rId2">
-            <a:extLst>
-              <a:ext uri="{28A0092B-C50C-407E-A947-70E740481C1C}">
-                <a14:useLocalDpi xmlns:a14="http://schemas.microsoft.com/office/drawing/2010/main" val="0"/>
-              </a:ext>
-            </a:extLst>
-          </a:blip>
-          <a:srcRect/>
-          <a:stretch>
-            <a:fillRect/>
-          </a:stretch>
-        </p:blipFill>
-        <p:spPr bwMode="auto">
-          <a:xfrm>
-            <a:off x="2366761" y="4414058"/>
-            <a:ext cx="4762500" cy="952500"/>
-          </a:xfrm>
-          <a:prstGeom prst="rect">
-            <a:avLst/>
-          </a:prstGeom>
-          <a:noFill/>
-          <a:extLst>
-            <a:ext uri="{909E8E84-426E-40DD-AFC4-6F175D3DCCD1}">
-              <a14:hiddenFill xmlns:a14="http://schemas.microsoft.com/office/drawing/2010/main">
-                <a:solidFill>
-                  <a:srgbClr val="FFFFFF"/>
-                </a:solidFill>
-              </a14:hiddenFill>
-            </a:ext>
-          </a:extLst>
-        </p:spPr>
-      </p:pic>
     </p:spTree>
     <p:extLst>
       <p:ext uri="{BB962C8B-B14F-4D97-AF65-F5344CB8AC3E}">
-        <p14:creationId xmlns:p14="http://schemas.microsoft.com/office/powerpoint/2010/main" val="2443586402"/>
+        <p14:creationId xmlns:p14="http://schemas.microsoft.com/office/powerpoint/2010/main" val="658284533"/>
       </p:ext>
     </p:extLst>
   </p:cSld>
@@ -9064,11 +8919,7 @@
           <a:p>
             <a:r>
               <a:rPr lang="es-AR" dirty="0" smtClean="0"/>
-              <a:t>M</a:t>
-            </a:r>
-            <a:r>
-              <a:rPr lang="es-AR" dirty="0" smtClean="0"/>
-              <a:t>ongo Shell</a:t>
+              <a:t>Mongo Shell</a:t>
             </a:r>
             <a:endParaRPr lang="es-AR" dirty="0"/>
           </a:p>
@@ -9930,36 +9781,6 @@
     <p:extLst>
       <p:ext uri="{BB962C8B-B14F-4D97-AF65-F5344CB8AC3E}">
         <p14:creationId xmlns:p14="http://schemas.microsoft.com/office/powerpoint/2010/main" val="4069206858"/>
-      </p:ext>
-    </p:extLst>
-  </p:cSld>
-  <p:clrMapOvr>
-    <a:masterClrMapping/>
-  </p:clrMapOvr>
-</p:sld>
-</file>
-
-<file path=ppt/slides/slide20.xml><?xml version="1.0" encoding="utf-8"?>
-<p:sld xmlns:a="http://schemas.openxmlformats.org/drawingml/2006/main" xmlns:r="http://schemas.openxmlformats.org/officeDocument/2006/relationships" xmlns:p="http://schemas.openxmlformats.org/presentationml/2006/main">
-  <p:cSld>
-    <p:spTree>
-      <p:nvGrpSpPr>
-        <p:cNvPr id="1" name=""/>
-        <p:cNvGrpSpPr/>
-        <p:nvPr/>
-      </p:nvGrpSpPr>
-      <p:grpSpPr>
-        <a:xfrm>
-          <a:off x="0" y="0"/>
-          <a:ext cx="0" cy="0"/>
-          <a:chOff x="0" y="0"/>
-          <a:chExt cx="0" cy="0"/>
-        </a:xfrm>
-      </p:grpSpPr>
-    </p:spTree>
-    <p:extLst>
-      <p:ext uri="{BB962C8B-B14F-4D97-AF65-F5344CB8AC3E}">
-        <p14:creationId xmlns:p14="http://schemas.microsoft.com/office/powerpoint/2010/main" val="658284533"/>
       </p:ext>
     </p:extLst>
   </p:cSld>
@@ -10052,12 +9873,12 @@
       </p:grpSpPr>
       <p:sp>
         <p:nvSpPr>
-          <p:cNvPr id="2" name="Content Placeholder 1"/>
+          <p:cNvPr id="2" name="Text Placeholder 1"/>
           <p:cNvSpPr>
             <a:spLocks noGrp="1"/>
           </p:cNvSpPr>
           <p:nvPr>
-            <p:ph idx="15"/>
+            <p:ph type="body" sz="quarter" idx="11"/>
           </p:nvPr>
         </p:nvSpPr>
         <p:spPr/>
@@ -10065,66 +9886,26 @@
           <a:bodyPr/>
           <a:lstStyle/>
           <a:p>
-            <a:endParaRPr lang="es-AR"/>
-          </a:p>
-        </p:txBody>
-      </p:sp>
-      <p:sp>
-        <p:nvSpPr>
-          <p:cNvPr id="3" name="Text Placeholder 2"/>
-          <p:cNvSpPr>
-            <a:spLocks noGrp="1"/>
-          </p:cNvSpPr>
-          <p:nvPr>
-            <p:ph type="body" sz="quarter" idx="16"/>
-          </p:nvPr>
-        </p:nvSpPr>
-        <p:spPr/>
-        <p:txBody>
-          <a:bodyPr>
-            <a:normAutofit/>
-          </a:bodyPr>
-          <a:lstStyle/>
-          <a:p>
+            <a:r>
+              <a:rPr lang="es-AR" dirty="0"/>
+              <a:t>¿Qué es </a:t>
+            </a:r>
             <a:r>
               <a:rPr lang="es-AR" dirty="0" err="1"/>
-              <a:t>BDs</a:t>
-            </a:r>
-            <a:r>
-              <a:rPr lang="es-AR" dirty="0"/>
-              <a:t> Relacionales VS </a:t>
-            </a:r>
-            <a:r>
-              <a:rPr lang="es-AR" dirty="0" err="1" smtClean="0"/>
               <a:t>MongoDB</a:t>
             </a:r>
+            <a:r>
+              <a:rPr lang="es-AR" dirty="0" smtClean="0"/>
+              <a:t>?</a:t>
+            </a:r>
             <a:endParaRPr lang="es-AR" dirty="0"/>
-          </a:p>
-        </p:txBody>
-      </p:sp>
-      <p:sp>
-        <p:nvSpPr>
-          <p:cNvPr id="4" name="Text Placeholder 3"/>
-          <p:cNvSpPr>
-            <a:spLocks noGrp="1"/>
-          </p:cNvSpPr>
-          <p:nvPr>
-            <p:ph type="body" sz="quarter" idx="17"/>
-          </p:nvPr>
-        </p:nvSpPr>
-        <p:spPr/>
-        <p:txBody>
-          <a:bodyPr/>
-          <a:lstStyle/>
-          <a:p>
-            <a:endParaRPr lang="es-AR"/>
           </a:p>
         </p:txBody>
       </p:sp>
     </p:spTree>
     <p:extLst>
       <p:ext uri="{BB962C8B-B14F-4D97-AF65-F5344CB8AC3E}">
-        <p14:creationId xmlns:p14="http://schemas.microsoft.com/office/powerpoint/2010/main" val="4202908884"/>
+        <p14:creationId xmlns:p14="http://schemas.microsoft.com/office/powerpoint/2010/main" val="633833564"/>
       </p:ext>
     </p:extLst>
   </p:cSld>
@@ -10153,12 +9934,12 @@
       </p:grpSpPr>
       <p:sp>
         <p:nvSpPr>
-          <p:cNvPr id="2" name="Text Placeholder 1"/>
+          <p:cNvPr id="2" name="Content Placeholder 1"/>
           <p:cNvSpPr>
             <a:spLocks noGrp="1"/>
           </p:cNvSpPr>
           <p:nvPr>
-            <p:ph type="body" sz="quarter" idx="11"/>
+            <p:ph idx="15"/>
           </p:nvPr>
         </p:nvSpPr>
         <p:spPr/>
@@ -10167,6 +9948,116 @@
           <a:lstStyle/>
           <a:p>
             <a:r>
+              <a:rPr lang="es-AR" dirty="0" err="1"/>
+              <a:t>MongoDB</a:t>
+            </a:r>
+            <a:r>
+              <a:rPr lang="es-AR" dirty="0"/>
+              <a:t> es una base de datos documental de código </a:t>
+            </a:r>
+            <a:r>
+              <a:rPr lang="es-AR" dirty="0" smtClean="0"/>
+              <a:t>abierto.</a:t>
+            </a:r>
+          </a:p>
+          <a:p>
+            <a:r>
+              <a:rPr lang="es-AR" dirty="0" smtClean="0"/>
+              <a:t>Facilita </a:t>
+            </a:r>
+            <a:r>
+              <a:rPr lang="es-AR" dirty="0"/>
+              <a:t>el </a:t>
+            </a:r>
+            <a:r>
+              <a:rPr lang="es-AR" dirty="0" smtClean="0"/>
+              <a:t>desarrollo </a:t>
+            </a:r>
+            <a:r>
+              <a:rPr lang="es-AR" dirty="0"/>
+              <a:t>proveyendo alta performance, alta disponibilidad y fácil escalabilidad.</a:t>
+            </a:r>
+          </a:p>
+          <a:p>
+            <a:r>
+              <a:rPr lang="es-AR" dirty="0"/>
+              <a:t>El motor almacena </a:t>
+            </a:r>
+            <a:r>
+              <a:rPr lang="es-AR" b="1" dirty="0" smtClean="0"/>
+              <a:t>N</a:t>
+            </a:r>
+            <a:r>
+              <a:rPr lang="es-AR" dirty="0" smtClean="0"/>
+              <a:t> </a:t>
+            </a:r>
+            <a:r>
+              <a:rPr lang="es-AR" dirty="0"/>
+              <a:t>cantidad de bases de datos, cada </a:t>
+            </a:r>
+            <a:r>
+              <a:rPr lang="es-AR" dirty="0" smtClean="0"/>
+              <a:t>una de las cuales almacena </a:t>
+            </a:r>
+            <a:r>
+              <a:rPr lang="es-AR" dirty="0"/>
+              <a:t>un set de colecciones y cada colección almacena un set de documentos. Un documento es un par clave-valor.</a:t>
+            </a:r>
+          </a:p>
+          <a:p>
+            <a:r>
+              <a:rPr lang="es-AR" dirty="0"/>
+              <a:t>Los documentos son dinámicos, lo que significa que los documentos almacenados en una colección no necesariamente deben tener el mismo set de campos ni que deben compartir la misma </a:t>
+            </a:r>
+            <a:r>
+              <a:rPr lang="es-AR" dirty="0" smtClean="0"/>
+              <a:t>estructura e </a:t>
+            </a:r>
+            <a:r>
+              <a:rPr lang="es-AR" dirty="0"/>
+              <a:t>incluso los campos comunes almacenados en distintos documentos no necesariamente tienen que ser del mismo tipo.</a:t>
+            </a:r>
+          </a:p>
+          <a:p>
+            <a:r>
+              <a:rPr lang="es-AR" dirty="0"/>
+              <a:t>Un documento en </a:t>
+            </a:r>
+            <a:r>
+              <a:rPr lang="es-AR" dirty="0" err="1"/>
+              <a:t>MongoDB</a:t>
+            </a:r>
+            <a:r>
+              <a:rPr lang="es-AR" dirty="0"/>
+              <a:t> es un registro cuya estructura de datos se compone de pares clave-valor. Estos documentos son similares a un objeto JSON. Los valores de los campos pueden incluir otros documentos, listas y/o listas de documentos.</a:t>
+            </a:r>
+          </a:p>
+          <a:p>
+            <a:r>
+              <a:rPr lang="es-AR" dirty="0"/>
+              <a:t>El siguiente es un ejemplo de un documento:</a:t>
+            </a:r>
+          </a:p>
+        </p:txBody>
+      </p:sp>
+      <p:sp>
+        <p:nvSpPr>
+          <p:cNvPr id="3" name="Text Placeholder 2"/>
+          <p:cNvSpPr>
+            <a:spLocks noGrp="1"/>
+          </p:cNvSpPr>
+          <p:nvPr>
+            <p:ph type="body" sz="quarter" idx="16"/>
+          </p:nvPr>
+        </p:nvSpPr>
+        <p:spPr/>
+        <p:txBody>
+          <a:bodyPr>
+            <a:normAutofit/>
+          </a:bodyPr>
+          <a:lstStyle/>
+          <a:p>
+            <a:r>
               <a:rPr lang="es-AR" dirty="0"/>
               <a:t>¿Qué es </a:t>
             </a:r>
@@ -10175,17 +10066,49 @@
               <a:t>MongoDB</a:t>
             </a:r>
             <a:r>
-              <a:rPr lang="es-AR" dirty="0" smtClean="0"/>
+              <a:rPr lang="es-AR" dirty="0"/>
               <a:t>?</a:t>
             </a:r>
-            <a:endParaRPr lang="es-AR" dirty="0"/>
-          </a:p>
-        </p:txBody>
-      </p:sp>
+          </a:p>
+        </p:txBody>
+      </p:sp>
+      <p:pic>
+        <p:nvPicPr>
+          <p:cNvPr id="11" name="Picture 10" descr="A MongoDB document."/>
+          <p:cNvPicPr/>
+          <p:nvPr/>
+        </p:nvPicPr>
+        <p:blipFill>
+          <a:blip r:embed="rId2">
+            <a:extLst>
+              <a:ext uri="{28A0092B-C50C-407E-A947-70E740481C1C}">
+                <a14:useLocalDpi xmlns:a14="http://schemas.microsoft.com/office/drawing/2010/main" val="0"/>
+              </a:ext>
+            </a:extLst>
+          </a:blip>
+          <a:srcRect/>
+          <a:stretch>
+            <a:fillRect/>
+          </a:stretch>
+        </p:blipFill>
+        <p:spPr bwMode="auto">
+          <a:xfrm>
+            <a:off x="5788410" y="4529283"/>
+            <a:ext cx="5426075" cy="1621790"/>
+          </a:xfrm>
+          <a:prstGeom prst="rect">
+            <a:avLst/>
+          </a:prstGeom>
+          <a:noFill/>
+          <a:ln>
+            <a:noFill/>
+          </a:ln>
+        </p:spPr>
+      </p:pic>
     </p:spTree>
     <p:extLst>
       <p:ext uri="{BB962C8B-B14F-4D97-AF65-F5344CB8AC3E}">
-        <p14:creationId xmlns:p14="http://schemas.microsoft.com/office/powerpoint/2010/main" val="633833564"/>
+        <p14:creationId xmlns:p14="http://schemas.microsoft.com/office/powerpoint/2010/main" val="446596379"/>
       </p:ext>
     </p:extLst>
   </p:cSld>
@@ -10214,12 +10137,12 @@
       </p:grpSpPr>
       <p:sp>
         <p:nvSpPr>
-          <p:cNvPr id="2" name="Content Placeholder 1"/>
+          <p:cNvPr id="2" name="Text Placeholder 1"/>
           <p:cNvSpPr>
             <a:spLocks noGrp="1"/>
           </p:cNvSpPr>
           <p:nvPr>
-            <p:ph idx="15"/>
+            <p:ph type="body" sz="quarter" idx="11"/>
           </p:nvPr>
         </p:nvSpPr>
         <p:spPr/>
@@ -10228,167 +10151,16 @@
           <a:lstStyle/>
           <a:p>
             <a:r>
-              <a:rPr lang="es-AR" dirty="0" err="1"/>
-              <a:t>MongoDB</a:t>
-            </a:r>
-            <a:r>
               <a:rPr lang="es-AR" dirty="0"/>
-              <a:t> es una base de datos documental de código </a:t>
-            </a:r>
-            <a:r>
-              <a:rPr lang="es-AR" dirty="0" smtClean="0"/>
-              <a:t>abierto.</a:t>
-            </a:r>
-          </a:p>
-          <a:p>
-            <a:r>
-              <a:rPr lang="es-AR" dirty="0" smtClean="0"/>
-              <a:t>Facilita </a:t>
-            </a:r>
-            <a:r>
-              <a:rPr lang="es-AR" dirty="0"/>
-              <a:t>el </a:t>
-            </a:r>
-            <a:r>
-              <a:rPr lang="es-AR" dirty="0" smtClean="0"/>
-              <a:t>desarrollo </a:t>
-            </a:r>
-            <a:r>
-              <a:rPr lang="es-AR" dirty="0"/>
-              <a:t>proveyendo alta performance, alta disponibilidad y fácil escalabilidad.</a:t>
-            </a:r>
-          </a:p>
-          <a:p>
-            <a:r>
-              <a:rPr lang="es-AR" dirty="0"/>
-              <a:t>El motor almacena </a:t>
-            </a:r>
-            <a:r>
-              <a:rPr lang="es-AR" b="1" dirty="0" smtClean="0"/>
-              <a:t>N</a:t>
-            </a:r>
-            <a:r>
-              <a:rPr lang="es-AR" dirty="0" smtClean="0"/>
-              <a:t> </a:t>
-            </a:r>
-            <a:r>
-              <a:rPr lang="es-AR" dirty="0"/>
-              <a:t>cantidad de bases de datos, cada </a:t>
-            </a:r>
-            <a:r>
-              <a:rPr lang="es-AR" dirty="0" smtClean="0"/>
-              <a:t>una de las cuales almacena </a:t>
-            </a:r>
-            <a:r>
-              <a:rPr lang="es-AR" dirty="0"/>
-              <a:t>un set de colecciones y cada colección almacena un set de documentos. Un documento es un par clave-valor.</a:t>
-            </a:r>
-          </a:p>
-          <a:p>
-            <a:r>
-              <a:rPr lang="es-AR" dirty="0"/>
-              <a:t>Los documentos son dinámicos, lo que significa que los documentos almacenados en una colección no necesariamente deben tener el mismo set de campos ni que deben compartir la misma </a:t>
-            </a:r>
-            <a:r>
-              <a:rPr lang="es-AR" dirty="0" smtClean="0"/>
-              <a:t>estructura e </a:t>
-            </a:r>
-            <a:r>
-              <a:rPr lang="es-AR" dirty="0"/>
-              <a:t>incluso los campos comunes almacenados en distintos documentos no necesariamente tienen que ser del mismo tipo.</a:t>
-            </a:r>
-          </a:p>
-          <a:p>
-            <a:r>
-              <a:rPr lang="es-AR" dirty="0"/>
-              <a:t>Un documento en </a:t>
-            </a:r>
-            <a:r>
-              <a:rPr lang="es-AR" dirty="0" err="1"/>
-              <a:t>MongoDB</a:t>
-            </a:r>
-            <a:r>
-              <a:rPr lang="es-AR" dirty="0"/>
-              <a:t> es un registro cuya estructura de datos se compone de pares clave-valor. Estos documentos son similares a un objeto JSON. Los valores de los campos pueden incluir otros documentos, listas y/o listas de documentos.</a:t>
-            </a:r>
-          </a:p>
-          <a:p>
-            <a:r>
-              <a:rPr lang="es-AR" dirty="0"/>
-              <a:t>El siguiente es un ejemplo de un documento:</a:t>
-            </a:r>
-          </a:p>
-        </p:txBody>
-      </p:sp>
-      <p:sp>
-        <p:nvSpPr>
-          <p:cNvPr id="3" name="Text Placeholder 2"/>
-          <p:cNvSpPr>
-            <a:spLocks noGrp="1"/>
-          </p:cNvSpPr>
-          <p:nvPr>
-            <p:ph type="body" sz="quarter" idx="16"/>
-          </p:nvPr>
-        </p:nvSpPr>
-        <p:spPr/>
-        <p:txBody>
-          <a:bodyPr>
-            <a:normAutofit/>
-          </a:bodyPr>
-          <a:lstStyle/>
-          <a:p>
-            <a:r>
-              <a:rPr lang="es-AR" dirty="0"/>
-              <a:t>¿Qué es </a:t>
-            </a:r>
-            <a:r>
-              <a:rPr lang="es-AR" dirty="0" err="1"/>
-              <a:t>MongoDB</a:t>
-            </a:r>
-            <a:r>
-              <a:rPr lang="es-AR" dirty="0"/>
-              <a:t>?</a:t>
-            </a:r>
-          </a:p>
-        </p:txBody>
-      </p:sp>
-      <p:pic>
-        <p:nvPicPr>
-          <p:cNvPr id="11" name="Picture 10" descr="A MongoDB document."/>
-          <p:cNvPicPr/>
-          <p:nvPr/>
-        </p:nvPicPr>
-        <p:blipFill>
-          <a:blip r:embed="rId2">
-            <a:extLst>
-              <a:ext uri="{28A0092B-C50C-407E-A947-70E740481C1C}">
-                <a14:useLocalDpi xmlns:a14="http://schemas.microsoft.com/office/drawing/2010/main" val="0"/>
-              </a:ext>
-            </a:extLst>
-          </a:blip>
-          <a:srcRect/>
-          <a:stretch>
-            <a:fillRect/>
-          </a:stretch>
-        </p:blipFill>
-        <p:spPr bwMode="auto">
-          <a:xfrm>
-            <a:off x="5788410" y="4529283"/>
-            <a:ext cx="5426075" cy="1621790"/>
-          </a:xfrm>
-          <a:prstGeom prst="rect">
-            <a:avLst/>
-          </a:prstGeom>
-          <a:noFill/>
-          <a:ln>
-            <a:noFill/>
-          </a:ln>
-        </p:spPr>
-      </p:pic>
+              <a:t>Modelado de datos en Mongo</a:t>
+            </a:r>
+          </a:p>
+        </p:txBody>
+      </p:sp>
     </p:spTree>
     <p:extLst>
       <p:ext uri="{BB962C8B-B14F-4D97-AF65-F5344CB8AC3E}">
-        <p14:creationId xmlns:p14="http://schemas.microsoft.com/office/powerpoint/2010/main" val="446596379"/>
+        <p14:creationId xmlns:p14="http://schemas.microsoft.com/office/powerpoint/2010/main" val="215363408"/>
       </p:ext>
     </p:extLst>
   </p:cSld>
@@ -10417,12 +10189,12 @@
       </p:grpSpPr>
       <p:sp>
         <p:nvSpPr>
-          <p:cNvPr id="2" name="Text Placeholder 1"/>
+          <p:cNvPr id="2" name="Content Placeholder 1"/>
           <p:cNvSpPr>
             <a:spLocks noGrp="1"/>
           </p:cNvSpPr>
           <p:nvPr>
-            <p:ph type="body" sz="quarter" idx="11"/>
+            <p:ph idx="15"/>
           </p:nvPr>
         </p:nvSpPr>
         <p:spPr/>
@@ -10431,16 +10203,79 @@
           <a:lstStyle/>
           <a:p>
             <a:r>
+              <a:rPr lang="es-AR" dirty="0" smtClean="0"/>
+              <a:t>Los datos en Mongo tienen un </a:t>
+            </a:r>
+            <a:r>
+              <a:rPr lang="es-AR" i="1" dirty="0" smtClean="0"/>
+              <a:t>esquema flexible</a:t>
+            </a:r>
+            <a:r>
+              <a:rPr lang="es-AR" dirty="0" smtClean="0"/>
+              <a:t>. Las colecciones en Mongo no deben cumplir con una estructura definida, lo que facilita mapear un documento a una entidad u objeto.</a:t>
+            </a:r>
+          </a:p>
+          <a:p>
+            <a:r>
+              <a:rPr lang="es-AR" dirty="0" smtClean="0"/>
+              <a:t>El desafío a la hora de modelar datos está en balancear las necesidades de la App, las características de performance del motor de base de datos y los patrones de recuperación de datos.</a:t>
+            </a:r>
+            <a:endParaRPr lang="es-AR" dirty="0"/>
+          </a:p>
+        </p:txBody>
+      </p:sp>
+      <p:sp>
+        <p:nvSpPr>
+          <p:cNvPr id="3" name="Text Placeholder 2"/>
+          <p:cNvSpPr>
+            <a:spLocks noGrp="1"/>
+          </p:cNvSpPr>
+          <p:nvPr>
+            <p:ph type="body" sz="quarter" idx="16"/>
+          </p:nvPr>
+        </p:nvSpPr>
+        <p:spPr/>
+        <p:txBody>
+          <a:bodyPr>
+            <a:normAutofit/>
+          </a:bodyPr>
+          <a:lstStyle/>
+          <a:p>
+            <a:r>
               <a:rPr lang="es-AR" dirty="0"/>
               <a:t>Modelado de datos en Mongo</a:t>
             </a:r>
           </a:p>
         </p:txBody>
       </p:sp>
+      <p:pic>
+        <p:nvPicPr>
+          <p:cNvPr id="4" name="Picture 3"/>
+          <p:cNvPicPr>
+            <a:picLocks noChangeAspect="1"/>
+          </p:cNvPicPr>
+          <p:nvPr/>
+        </p:nvPicPr>
+        <p:blipFill>
+          <a:blip r:embed="rId2"/>
+          <a:stretch>
+            <a:fillRect/>
+          </a:stretch>
+        </p:blipFill>
+        <p:spPr>
+          <a:xfrm>
+            <a:off x="3145036" y="3291447"/>
+            <a:ext cx="5071237" cy="1847887"/>
+          </a:xfrm>
+          <a:prstGeom prst="rect">
+            <a:avLst/>
+          </a:prstGeom>
+        </p:spPr>
+      </p:pic>
     </p:spTree>
     <p:extLst>
       <p:ext uri="{BB962C8B-B14F-4D97-AF65-F5344CB8AC3E}">
-        <p14:creationId xmlns:p14="http://schemas.microsoft.com/office/powerpoint/2010/main" val="215363408"/>
+        <p14:creationId xmlns:p14="http://schemas.microsoft.com/office/powerpoint/2010/main" val="562910329"/>
       </p:ext>
     </p:extLst>
   </p:cSld>
@@ -10484,23 +10319,43 @@
           <a:p>
             <a:r>
               <a:rPr lang="es-AR" dirty="0" smtClean="0"/>
-              <a:t>Los datos en Mongo tienen un </a:t>
-            </a:r>
-            <a:r>
-              <a:rPr lang="es-AR" i="1" dirty="0" smtClean="0"/>
-              <a:t>esquema flexible</a:t>
+              <a:t>La decisión sobre el diseño de los modelos de datos para </a:t>
+            </a:r>
+            <a:r>
+              <a:rPr lang="es-AR" dirty="0" err="1" smtClean="0"/>
+              <a:t>MongoDB</a:t>
             </a:r>
             <a:r>
               <a:rPr lang="es-AR" dirty="0" smtClean="0"/>
-              <a:t>. Las colecciones en Mongo no deben cumplir con una estructura definida, lo que facilita mapear un documento a una entidad u objeto.</a:t>
+              <a:t> se resuelven alrededor de la estructura de los documentos y de como la App representa las relaciones entre los datos.</a:t>
             </a:r>
           </a:p>
           <a:p>
             <a:r>
               <a:rPr lang="es-AR" dirty="0" smtClean="0"/>
-              <a:t>El desafío a la hora de modelar datos está en balancear las necesidades de la App, las características de performance del motor de base de datos y los patrones de recuperación de datos.</a:t>
-            </a:r>
-            <a:endParaRPr lang="es-AR" dirty="0"/>
+              <a:t>Existen dos herramientas que permiten a las Apps representar estas relaciones:</a:t>
+            </a:r>
+          </a:p>
+          <a:p>
+            <a:pPr lvl="1">
+              <a:buFont typeface="Wingdings" panose="05000000000000000000" pitchFamily="2" charset="2"/>
+              <a:buChar char="§"/>
+            </a:pPr>
+            <a:r>
+              <a:rPr lang="es-AR" b="1" dirty="0" smtClean="0"/>
+              <a:t>REFERENCIAS</a:t>
+            </a:r>
+          </a:p>
+          <a:p>
+            <a:pPr lvl="1">
+              <a:buFont typeface="Wingdings" panose="05000000000000000000" pitchFamily="2" charset="2"/>
+              <a:buChar char="§"/>
+            </a:pPr>
+            <a:r>
+              <a:rPr lang="es-AR" b="1" dirty="0" smtClean="0"/>
+              <a:t>DUCUMENTOS EMBEBIDOS</a:t>
+            </a:r>
+            <a:endParaRPr lang="es-AR" b="1" dirty="0"/>
           </a:p>
         </p:txBody>
       </p:sp>
@@ -10528,34 +10383,38 @@
           </a:p>
         </p:txBody>
       </p:sp>
-      <p:pic>
-        <p:nvPicPr>
-          <p:cNvPr id="4" name="Picture 3"/>
-          <p:cNvPicPr>
-            <a:picLocks noChangeAspect="1"/>
-          </p:cNvPicPr>
-          <p:nvPr/>
-        </p:nvPicPr>
-        <p:blipFill>
-          <a:blip r:embed="rId2"/>
-          <a:stretch>
-            <a:fillRect/>
-          </a:stretch>
-        </p:blipFill>
+      <p:sp>
+        <p:nvSpPr>
+          <p:cNvPr id="5" name="Text Placeholder 3"/>
+          <p:cNvSpPr>
+            <a:spLocks noGrp="1"/>
+          </p:cNvSpPr>
+          <p:nvPr>
+            <p:ph type="body" sz="quarter" idx="17"/>
+          </p:nvPr>
+        </p:nvSpPr>
         <p:spPr>
           <a:xfrm>
-            <a:off x="3145036" y="3291447"/>
-            <a:ext cx="5071237" cy="1847887"/>
-          </a:xfrm>
-          <a:prstGeom prst="rect">
-            <a:avLst/>
-          </a:prstGeom>
-        </p:spPr>
-      </p:pic>
+            <a:off x="239184" y="836448"/>
+            <a:ext cx="11713633" cy="383117"/>
+          </a:xfrm>
+        </p:spPr>
+        <p:txBody>
+          <a:bodyPr/>
+          <a:lstStyle/>
+          <a:p>
+            <a:r>
+              <a:rPr lang="es-AR" dirty="0" smtClean="0"/>
+              <a:t>Estructura de un Documento</a:t>
+            </a:r>
+            <a:endParaRPr lang="es-AR" dirty="0"/>
+          </a:p>
+        </p:txBody>
+      </p:sp>
     </p:spTree>
     <p:extLst>
       <p:ext uri="{BB962C8B-B14F-4D97-AF65-F5344CB8AC3E}">
-        <p14:creationId xmlns:p14="http://schemas.microsoft.com/office/powerpoint/2010/main" val="562910329"/>
+        <p14:creationId xmlns:p14="http://schemas.microsoft.com/office/powerpoint/2010/main" val="3532688656"/>
       </p:ext>
     </p:extLst>
   </p:cSld>
@@ -10599,43 +10458,28 @@
           <a:p>
             <a:r>
               <a:rPr lang="es-AR" dirty="0" smtClean="0"/>
-              <a:t>La decisión sobre el diseño de los modelos de datos para </a:t>
-            </a:r>
-            <a:r>
-              <a:rPr lang="es-AR" dirty="0" err="1" smtClean="0"/>
-              <a:t>MongoDB</a:t>
+              <a:t>Almacenan las relaciones entre los datos incluyendo </a:t>
+            </a:r>
+            <a:r>
+              <a:rPr lang="es-AR" i="1" dirty="0" smtClean="0"/>
+              <a:t>links</a:t>
             </a:r>
             <a:r>
               <a:rPr lang="es-AR" dirty="0" smtClean="0"/>
-              <a:t> se resuelven alrededor de la estructura de los documentos y de como la App representa las relaciones entre los datos.</a:t>
+              <a:t> desde un documento a otro.</a:t>
             </a:r>
           </a:p>
           <a:p>
             <a:r>
               <a:rPr lang="es-AR" dirty="0" smtClean="0"/>
-              <a:t>Existen dos herramientas que permiten a las Apps representar estas relaciones:</a:t>
-            </a:r>
-          </a:p>
-          <a:p>
-            <a:pPr lvl="1">
-              <a:buFont typeface="Wingdings" panose="05000000000000000000" pitchFamily="2" charset="2"/>
-              <a:buChar char="§"/>
-            </a:pPr>
-            <a:r>
-              <a:rPr lang="es-AR" b="1" dirty="0" smtClean="0"/>
-              <a:t>REFERENCIAS</a:t>
-            </a:r>
-          </a:p>
-          <a:p>
-            <a:pPr lvl="1">
-              <a:buFont typeface="Wingdings" panose="05000000000000000000" pitchFamily="2" charset="2"/>
-              <a:buChar char="§"/>
-            </a:pPr>
-            <a:r>
-              <a:rPr lang="es-AR" b="1" dirty="0" smtClean="0"/>
-              <a:t>DUCUMENTOS EMBEBIDOS</a:t>
-            </a:r>
-            <a:endParaRPr lang="es-AR" b="1" dirty="0"/>
+              <a:t>La Apps pueden resolver esas referencias accediendo a los datos relacionados.</a:t>
+            </a:r>
+          </a:p>
+          <a:p>
+            <a:r>
+              <a:rPr lang="es-AR" dirty="0"/>
+              <a:t>En términos generales, estos son los modelos de datos normalizados.</a:t>
+            </a:r>
           </a:p>
         </p:txBody>
       </p:sp>
@@ -10685,16 +10529,57 @@
           <a:p>
             <a:r>
               <a:rPr lang="es-AR" dirty="0" smtClean="0"/>
-              <a:t>Estructura de un Documento</a:t>
+              <a:t>Referencias</a:t>
             </a:r>
             <a:endParaRPr lang="es-AR" dirty="0"/>
           </a:p>
         </p:txBody>
       </p:sp>
+      <p:pic>
+        <p:nvPicPr>
+          <p:cNvPr id="1028" name="Picture 4" descr="Data model using references to link documents. Both the ``contact`` document and the ``access`` document contain a reference to the ``user`` document."/>
+          <p:cNvPicPr>
+            <a:picLocks noChangeAspect="1" noChangeArrowheads="1"/>
+          </p:cNvPicPr>
+          <p:nvPr/>
+        </p:nvPicPr>
+        <p:blipFill>
+          <a:blip r:embed="rId2">
+            <a:extLst>
+              <a:ext uri="{28A0092B-C50C-407E-A947-70E740481C1C}">
+                <a14:useLocalDpi xmlns:a14="http://schemas.microsoft.com/office/drawing/2010/main" val="0"/>
+              </a:ext>
+            </a:extLst>
+          </a:blip>
+          <a:srcRect/>
+          <a:stretch>
+            <a:fillRect/>
+          </a:stretch>
+        </p:blipFill>
+        <p:spPr bwMode="auto">
+          <a:xfrm>
+            <a:off x="1135289" y="2364241"/>
+            <a:ext cx="6858000" cy="4171951"/>
+          </a:xfrm>
+          <a:prstGeom prst="rect">
+            <a:avLst/>
+          </a:prstGeom>
+          <a:noFill/>
+          <a:extLst>
+            <a:ext uri="{909E8E84-426E-40DD-AFC4-6F175D3DCCD1}">
+              <a14:hiddenFill xmlns:a14="http://schemas.microsoft.com/office/drawing/2010/main">
+                <a:solidFill>
+                  <a:srgbClr val="FFFFFF"/>
+                </a:solidFill>
+              </a14:hiddenFill>
+            </a:ext>
+          </a:extLst>
+        </p:spPr>
+      </p:pic>
     </p:spTree>
     <p:extLst>
       <p:ext uri="{BB962C8B-B14F-4D97-AF65-F5344CB8AC3E}">
-        <p14:creationId xmlns:p14="http://schemas.microsoft.com/office/powerpoint/2010/main" val="3532688656"/>
+        <p14:creationId xmlns:p14="http://schemas.microsoft.com/office/powerpoint/2010/main" val="3824302202"/>
       </p:ext>
     </p:extLst>
   </p:cSld>
